--- a/css.pptx
+++ b/css.pptx
@@ -263,7 +263,7 @@
           <a:p>
             <a:fld id="{E604A9DE-5D16-5148-A31A-5AFF5E45A3E1}" type="datetimeFigureOut">
               <a:rPr lang="en-US" smtClean="0"/>
-              <a:t>7/11/25</a:t>
+              <a:t>7/14/25</a:t>
             </a:fld>
             <a:endParaRPr lang="en-US"/>
           </a:p>
@@ -463,7 +463,7 @@
           <a:p>
             <a:fld id="{E604A9DE-5D16-5148-A31A-5AFF5E45A3E1}" type="datetimeFigureOut">
               <a:rPr lang="en-US" smtClean="0"/>
-              <a:t>7/11/25</a:t>
+              <a:t>7/14/25</a:t>
             </a:fld>
             <a:endParaRPr lang="en-US"/>
           </a:p>
@@ -673,7 +673,7 @@
           <a:p>
             <a:fld id="{E604A9DE-5D16-5148-A31A-5AFF5E45A3E1}" type="datetimeFigureOut">
               <a:rPr lang="en-US" smtClean="0"/>
-              <a:t>7/11/25</a:t>
+              <a:t>7/14/25</a:t>
             </a:fld>
             <a:endParaRPr lang="en-US"/>
           </a:p>
@@ -873,7 +873,7 @@
           <a:p>
             <a:fld id="{E604A9DE-5D16-5148-A31A-5AFF5E45A3E1}" type="datetimeFigureOut">
               <a:rPr lang="en-US" smtClean="0"/>
-              <a:t>7/11/25</a:t>
+              <a:t>7/14/25</a:t>
             </a:fld>
             <a:endParaRPr lang="en-US"/>
           </a:p>
@@ -1149,7 +1149,7 @@
           <a:p>
             <a:fld id="{E604A9DE-5D16-5148-A31A-5AFF5E45A3E1}" type="datetimeFigureOut">
               <a:rPr lang="en-US" smtClean="0"/>
-              <a:t>7/11/25</a:t>
+              <a:t>7/14/25</a:t>
             </a:fld>
             <a:endParaRPr lang="en-US"/>
           </a:p>
@@ -1417,7 +1417,7 @@
           <a:p>
             <a:fld id="{E604A9DE-5D16-5148-A31A-5AFF5E45A3E1}" type="datetimeFigureOut">
               <a:rPr lang="en-US" smtClean="0"/>
-              <a:t>7/11/25</a:t>
+              <a:t>7/14/25</a:t>
             </a:fld>
             <a:endParaRPr lang="en-US"/>
           </a:p>
@@ -1832,7 +1832,7 @@
           <a:p>
             <a:fld id="{E604A9DE-5D16-5148-A31A-5AFF5E45A3E1}" type="datetimeFigureOut">
               <a:rPr lang="en-US" smtClean="0"/>
-              <a:t>7/11/25</a:t>
+              <a:t>7/14/25</a:t>
             </a:fld>
             <a:endParaRPr lang="en-US"/>
           </a:p>
@@ -1974,7 +1974,7 @@
           <a:p>
             <a:fld id="{E604A9DE-5D16-5148-A31A-5AFF5E45A3E1}" type="datetimeFigureOut">
               <a:rPr lang="en-US" smtClean="0"/>
-              <a:t>7/11/25</a:t>
+              <a:t>7/14/25</a:t>
             </a:fld>
             <a:endParaRPr lang="en-US"/>
           </a:p>
@@ -2087,7 +2087,7 @@
           <a:p>
             <a:fld id="{E604A9DE-5D16-5148-A31A-5AFF5E45A3E1}" type="datetimeFigureOut">
               <a:rPr lang="en-US" smtClean="0"/>
-              <a:t>7/11/25</a:t>
+              <a:t>7/14/25</a:t>
             </a:fld>
             <a:endParaRPr lang="en-US"/>
           </a:p>
@@ -2400,7 +2400,7 @@
           <a:p>
             <a:fld id="{E604A9DE-5D16-5148-A31A-5AFF5E45A3E1}" type="datetimeFigureOut">
               <a:rPr lang="en-US" smtClean="0"/>
-              <a:t>7/11/25</a:t>
+              <a:t>7/14/25</a:t>
             </a:fld>
             <a:endParaRPr lang="en-US"/>
           </a:p>
@@ -2689,7 +2689,7 @@
           <a:p>
             <a:fld id="{E604A9DE-5D16-5148-A31A-5AFF5E45A3E1}" type="datetimeFigureOut">
               <a:rPr lang="en-US" smtClean="0"/>
-              <a:t>7/11/25</a:t>
+              <a:t>7/14/25</a:t>
             </a:fld>
             <a:endParaRPr lang="en-US"/>
           </a:p>
@@ -2932,7 +2932,7 @@
           <a:p>
             <a:fld id="{E604A9DE-5D16-5148-A31A-5AFF5E45A3E1}" type="datetimeFigureOut">
               <a:rPr lang="en-US" smtClean="0"/>
-              <a:t>7/11/25</a:t>
+              <a:t>7/14/25</a:t>
             </a:fld>
             <a:endParaRPr lang="en-US"/>
           </a:p>
@@ -3727,31 +3727,6 @@
       </p:grpSpPr>
       <p:sp>
         <p:nvSpPr>
-          <p:cNvPr id="2" name="Title 1">
-            <a:extLst>
-              <a:ext uri="{FF2B5EF4-FFF2-40B4-BE49-F238E27FC236}">
-                <a16:creationId xmlns:a16="http://schemas.microsoft.com/office/drawing/2014/main" id="{1CA6A5FE-1425-FE9B-5C47-99AB929FD7BB}"/>
-              </a:ext>
-            </a:extLst>
-          </p:cNvPr>
-          <p:cNvSpPr>
-            <a:spLocks noGrp="1"/>
-          </p:cNvSpPr>
-          <p:nvPr>
-            <p:ph type="title"/>
-          </p:nvPr>
-        </p:nvSpPr>
-        <p:spPr/>
-        <p:txBody>
-          <a:bodyPr/>
-          <a:lstStyle/>
-          <a:p>
-            <a:endParaRPr lang="en-US"/>
-          </a:p>
-        </p:txBody>
-      </p:sp>
-      <p:sp>
-        <p:nvSpPr>
           <p:cNvPr id="3" name="Content Placeholder 2">
             <a:extLst>
               <a:ext uri="{FF2B5EF4-FFF2-40B4-BE49-F238E27FC236}">
@@ -3766,15 +3741,29 @@
             <p:ph idx="1"/>
           </p:nvPr>
         </p:nvSpPr>
-        <p:spPr/>
-        <p:txBody>
-          <a:bodyPr/>
-          <a:lstStyle/>
+        <p:spPr>
+          <a:xfrm>
+            <a:off x="838200" y="429491"/>
+            <a:ext cx="10515600" cy="5747472"/>
+          </a:xfrm>
+        </p:spPr>
+        <p:txBody>
+          <a:bodyPr/>
+          <a:lstStyle/>
+          <a:p>
+            <a:r>
+              <a:rPr lang="en-US" dirty="0"/>
+              <a:t>Box modal</a:t>
+            </a:r>
+          </a:p>
           <a:p>
             <a:r>
               <a:rPr lang="en-US"/>
-              <a:t>Box modal</a:t>
-            </a:r>
+              <a:t>Display</a:t>
+            </a:r>
+          </a:p>
+          <a:p>
+            <a:endParaRPr lang="en-US" dirty="0"/>
           </a:p>
         </p:txBody>
       </p:sp>

--- a/css.pptx
+++ b/css.pptx
@@ -263,7 +263,7 @@
           <a:p>
             <a:fld id="{E604A9DE-5D16-5148-A31A-5AFF5E45A3E1}" type="datetimeFigureOut">
               <a:rPr lang="en-US" smtClean="0"/>
-              <a:t>7/14/25</a:t>
+              <a:t>7/17/25</a:t>
             </a:fld>
             <a:endParaRPr lang="en-US"/>
           </a:p>
@@ -463,7 +463,7 @@
           <a:p>
             <a:fld id="{E604A9DE-5D16-5148-A31A-5AFF5E45A3E1}" type="datetimeFigureOut">
               <a:rPr lang="en-US" smtClean="0"/>
-              <a:t>7/14/25</a:t>
+              <a:t>7/17/25</a:t>
             </a:fld>
             <a:endParaRPr lang="en-US"/>
           </a:p>
@@ -673,7 +673,7 @@
           <a:p>
             <a:fld id="{E604A9DE-5D16-5148-A31A-5AFF5E45A3E1}" type="datetimeFigureOut">
               <a:rPr lang="en-US" smtClean="0"/>
-              <a:t>7/14/25</a:t>
+              <a:t>7/17/25</a:t>
             </a:fld>
             <a:endParaRPr lang="en-US"/>
           </a:p>
@@ -873,7 +873,7 @@
           <a:p>
             <a:fld id="{E604A9DE-5D16-5148-A31A-5AFF5E45A3E1}" type="datetimeFigureOut">
               <a:rPr lang="en-US" smtClean="0"/>
-              <a:t>7/14/25</a:t>
+              <a:t>7/17/25</a:t>
             </a:fld>
             <a:endParaRPr lang="en-US"/>
           </a:p>
@@ -1149,7 +1149,7 @@
           <a:p>
             <a:fld id="{E604A9DE-5D16-5148-A31A-5AFF5E45A3E1}" type="datetimeFigureOut">
               <a:rPr lang="en-US" smtClean="0"/>
-              <a:t>7/14/25</a:t>
+              <a:t>7/17/25</a:t>
             </a:fld>
             <a:endParaRPr lang="en-US"/>
           </a:p>
@@ -1417,7 +1417,7 @@
           <a:p>
             <a:fld id="{E604A9DE-5D16-5148-A31A-5AFF5E45A3E1}" type="datetimeFigureOut">
               <a:rPr lang="en-US" smtClean="0"/>
-              <a:t>7/14/25</a:t>
+              <a:t>7/17/25</a:t>
             </a:fld>
             <a:endParaRPr lang="en-US"/>
           </a:p>
@@ -1832,7 +1832,7 @@
           <a:p>
             <a:fld id="{E604A9DE-5D16-5148-A31A-5AFF5E45A3E1}" type="datetimeFigureOut">
               <a:rPr lang="en-US" smtClean="0"/>
-              <a:t>7/14/25</a:t>
+              <a:t>7/17/25</a:t>
             </a:fld>
             <a:endParaRPr lang="en-US"/>
           </a:p>
@@ -1974,7 +1974,7 @@
           <a:p>
             <a:fld id="{E604A9DE-5D16-5148-A31A-5AFF5E45A3E1}" type="datetimeFigureOut">
               <a:rPr lang="en-US" smtClean="0"/>
-              <a:t>7/14/25</a:t>
+              <a:t>7/17/25</a:t>
             </a:fld>
             <a:endParaRPr lang="en-US"/>
           </a:p>
@@ -2087,7 +2087,7 @@
           <a:p>
             <a:fld id="{E604A9DE-5D16-5148-A31A-5AFF5E45A3E1}" type="datetimeFigureOut">
               <a:rPr lang="en-US" smtClean="0"/>
-              <a:t>7/14/25</a:t>
+              <a:t>7/17/25</a:t>
             </a:fld>
             <a:endParaRPr lang="en-US"/>
           </a:p>
@@ -2400,7 +2400,7 @@
           <a:p>
             <a:fld id="{E604A9DE-5D16-5148-A31A-5AFF5E45A3E1}" type="datetimeFigureOut">
               <a:rPr lang="en-US" smtClean="0"/>
-              <a:t>7/14/25</a:t>
+              <a:t>7/17/25</a:t>
             </a:fld>
             <a:endParaRPr lang="en-US"/>
           </a:p>
@@ -2689,7 +2689,7 @@
           <a:p>
             <a:fld id="{E604A9DE-5D16-5148-A31A-5AFF5E45A3E1}" type="datetimeFigureOut">
               <a:rPr lang="en-US" smtClean="0"/>
-              <a:t>7/14/25</a:t>
+              <a:t>7/17/25</a:t>
             </a:fld>
             <a:endParaRPr lang="en-US"/>
           </a:p>
@@ -2932,7 +2932,7 @@
           <a:p>
             <a:fld id="{E604A9DE-5D16-5148-A31A-5AFF5E45A3E1}" type="datetimeFigureOut">
               <a:rPr lang="en-US" smtClean="0"/>
-              <a:t>7/14/25</a:t>
+              <a:t>7/17/25</a:t>
             </a:fld>
             <a:endParaRPr lang="en-US"/>
           </a:p>
@@ -3691,6 +3691,18 @@
             </a:r>
           </a:p>
           <a:p>
+            <a:r>
+              <a:rPr lang="en-US" dirty="0"/>
+              <a:t>Box modal</a:t>
+            </a:r>
+          </a:p>
+          <a:p>
+            <a:r>
+              <a:rPr lang="en-US" dirty="0"/>
+              <a:t>Display</a:t>
+            </a:r>
+          </a:p>
+          <a:p>
             <a:endParaRPr lang="en-US" dirty="0"/>
           </a:p>
         </p:txBody>
@@ -3753,16 +3765,35 @@
           <a:p>
             <a:r>
               <a:rPr lang="en-US" dirty="0"/>
-              <a:t>Box modal</a:t>
-            </a:r>
-          </a:p>
-          <a:p>
+              <a:t>Mini project</a:t>
+            </a:r>
+          </a:p>
+          <a:p>
+            <a:r>
+              <a:rPr lang="en-US" dirty="0"/>
+              <a:t>Float</a:t>
+            </a:r>
+          </a:p>
+          <a:p>
+            <a:r>
+              <a:rPr lang="en-US" dirty="0" err="1"/>
+              <a:t>multiColumns</a:t>
+            </a:r>
+            <a:endParaRPr lang="en-US" dirty="0"/>
+          </a:p>
+          <a:p>
+            <a:r>
+              <a:rPr lang="en-US" dirty="0" err="1"/>
+              <a:t>Absolute,relative,</a:t>
+            </a:r>
+            <a:r>
+              <a:rPr lang="en-US" err="1"/>
+              <a:t>fixed</a:t>
+            </a:r>
             <a:r>
               <a:rPr lang="en-US"/>
-              <a:t>Display</a:t>
-            </a:r>
-          </a:p>
-          <a:p>
+              <a:t>,sticky</a:t>
+            </a:r>
             <a:endParaRPr lang="en-US" dirty="0"/>
           </a:p>
         </p:txBody>

--- a/css.pptx
+++ b/css.pptx
@@ -263,7 +263,7 @@
           <a:p>
             <a:fld id="{E604A9DE-5D16-5148-A31A-5AFF5E45A3E1}" type="datetimeFigureOut">
               <a:rPr lang="en-US" smtClean="0"/>
-              <a:t>7/17/25</a:t>
+              <a:t>7/22/25</a:t>
             </a:fld>
             <a:endParaRPr lang="en-US"/>
           </a:p>
@@ -463,7 +463,7 @@
           <a:p>
             <a:fld id="{E604A9DE-5D16-5148-A31A-5AFF5E45A3E1}" type="datetimeFigureOut">
               <a:rPr lang="en-US" smtClean="0"/>
-              <a:t>7/17/25</a:t>
+              <a:t>7/22/25</a:t>
             </a:fld>
             <a:endParaRPr lang="en-US"/>
           </a:p>
@@ -673,7 +673,7 @@
           <a:p>
             <a:fld id="{E604A9DE-5D16-5148-A31A-5AFF5E45A3E1}" type="datetimeFigureOut">
               <a:rPr lang="en-US" smtClean="0"/>
-              <a:t>7/17/25</a:t>
+              <a:t>7/22/25</a:t>
             </a:fld>
             <a:endParaRPr lang="en-US"/>
           </a:p>
@@ -873,7 +873,7 @@
           <a:p>
             <a:fld id="{E604A9DE-5D16-5148-A31A-5AFF5E45A3E1}" type="datetimeFigureOut">
               <a:rPr lang="en-US" smtClean="0"/>
-              <a:t>7/17/25</a:t>
+              <a:t>7/22/25</a:t>
             </a:fld>
             <a:endParaRPr lang="en-US"/>
           </a:p>
@@ -1149,7 +1149,7 @@
           <a:p>
             <a:fld id="{E604A9DE-5D16-5148-A31A-5AFF5E45A3E1}" type="datetimeFigureOut">
               <a:rPr lang="en-US" smtClean="0"/>
-              <a:t>7/17/25</a:t>
+              <a:t>7/22/25</a:t>
             </a:fld>
             <a:endParaRPr lang="en-US"/>
           </a:p>
@@ -1417,7 +1417,7 @@
           <a:p>
             <a:fld id="{E604A9DE-5D16-5148-A31A-5AFF5E45A3E1}" type="datetimeFigureOut">
               <a:rPr lang="en-US" smtClean="0"/>
-              <a:t>7/17/25</a:t>
+              <a:t>7/22/25</a:t>
             </a:fld>
             <a:endParaRPr lang="en-US"/>
           </a:p>
@@ -1832,7 +1832,7 @@
           <a:p>
             <a:fld id="{E604A9DE-5D16-5148-A31A-5AFF5E45A3E1}" type="datetimeFigureOut">
               <a:rPr lang="en-US" smtClean="0"/>
-              <a:t>7/17/25</a:t>
+              <a:t>7/22/25</a:t>
             </a:fld>
             <a:endParaRPr lang="en-US"/>
           </a:p>
@@ -1974,7 +1974,7 @@
           <a:p>
             <a:fld id="{E604A9DE-5D16-5148-A31A-5AFF5E45A3E1}" type="datetimeFigureOut">
               <a:rPr lang="en-US" smtClean="0"/>
-              <a:t>7/17/25</a:t>
+              <a:t>7/22/25</a:t>
             </a:fld>
             <a:endParaRPr lang="en-US"/>
           </a:p>
@@ -2087,7 +2087,7 @@
           <a:p>
             <a:fld id="{E604A9DE-5D16-5148-A31A-5AFF5E45A3E1}" type="datetimeFigureOut">
               <a:rPr lang="en-US" smtClean="0"/>
-              <a:t>7/17/25</a:t>
+              <a:t>7/22/25</a:t>
             </a:fld>
             <a:endParaRPr lang="en-US"/>
           </a:p>
@@ -2400,7 +2400,7 @@
           <a:p>
             <a:fld id="{E604A9DE-5D16-5148-A31A-5AFF5E45A3E1}" type="datetimeFigureOut">
               <a:rPr lang="en-US" smtClean="0"/>
-              <a:t>7/17/25</a:t>
+              <a:t>7/22/25</a:t>
             </a:fld>
             <a:endParaRPr lang="en-US"/>
           </a:p>
@@ -2689,7 +2689,7 @@
           <a:p>
             <a:fld id="{E604A9DE-5D16-5148-A31A-5AFF5E45A3E1}" type="datetimeFigureOut">
               <a:rPr lang="en-US" smtClean="0"/>
-              <a:t>7/17/25</a:t>
+              <a:t>7/22/25</a:t>
             </a:fld>
             <a:endParaRPr lang="en-US"/>
           </a:p>
@@ -2932,7 +2932,7 @@
           <a:p>
             <a:fld id="{E604A9DE-5D16-5148-A31A-5AFF5E45A3E1}" type="datetimeFigureOut">
               <a:rPr lang="en-US" smtClean="0"/>
-              <a:t>7/17/25</a:t>
+              <a:t>7/22/25</a:t>
             </a:fld>
             <a:endParaRPr lang="en-US"/>
           </a:p>
@@ -3784,15 +3784,26 @@
           <a:p>
             <a:r>
               <a:rPr lang="en-US" dirty="0" err="1"/>
-              <a:t>Absolute,relative,</a:t>
-            </a:r>
-            <a:r>
-              <a:rPr lang="en-US" err="1"/>
-              <a:t>fixed</a:t>
-            </a:r>
+              <a:t>Absolute,relative,fixed,sticky</a:t>
+            </a:r>
+            <a:endParaRPr lang="en-US" dirty="0"/>
+          </a:p>
+          <a:p>
+            <a:r>
+              <a:rPr lang="en-US" dirty="0"/>
+              <a:t>Grid</a:t>
+            </a:r>
+          </a:p>
+          <a:p>
+            <a:r>
+              <a:rPr lang="en-US" dirty="0"/>
+              <a:t>Flexbox</a:t>
+            </a:r>
+          </a:p>
+          <a:p>
             <a:r>
               <a:rPr lang="en-US"/>
-              <a:t>,sticky</a:t>
+              <a:t>images</a:t>
             </a:r>
             <a:endParaRPr lang="en-US" dirty="0"/>
           </a:p>

--- a/css.pptx
+++ b/css.pptx
@@ -263,7 +263,7 @@
           <a:p>
             <a:fld id="{E604A9DE-5D16-5148-A31A-5AFF5E45A3E1}" type="datetimeFigureOut">
               <a:rPr lang="en-US" smtClean="0"/>
-              <a:t>7/22/25</a:t>
+              <a:t>7/25/25</a:t>
             </a:fld>
             <a:endParaRPr lang="en-US"/>
           </a:p>
@@ -463,7 +463,7 @@
           <a:p>
             <a:fld id="{E604A9DE-5D16-5148-A31A-5AFF5E45A3E1}" type="datetimeFigureOut">
               <a:rPr lang="en-US" smtClean="0"/>
-              <a:t>7/22/25</a:t>
+              <a:t>7/25/25</a:t>
             </a:fld>
             <a:endParaRPr lang="en-US"/>
           </a:p>
@@ -673,7 +673,7 @@
           <a:p>
             <a:fld id="{E604A9DE-5D16-5148-A31A-5AFF5E45A3E1}" type="datetimeFigureOut">
               <a:rPr lang="en-US" smtClean="0"/>
-              <a:t>7/22/25</a:t>
+              <a:t>7/25/25</a:t>
             </a:fld>
             <a:endParaRPr lang="en-US"/>
           </a:p>
@@ -873,7 +873,7 @@
           <a:p>
             <a:fld id="{E604A9DE-5D16-5148-A31A-5AFF5E45A3E1}" type="datetimeFigureOut">
               <a:rPr lang="en-US" smtClean="0"/>
-              <a:t>7/22/25</a:t>
+              <a:t>7/25/25</a:t>
             </a:fld>
             <a:endParaRPr lang="en-US"/>
           </a:p>
@@ -1149,7 +1149,7 @@
           <a:p>
             <a:fld id="{E604A9DE-5D16-5148-A31A-5AFF5E45A3E1}" type="datetimeFigureOut">
               <a:rPr lang="en-US" smtClean="0"/>
-              <a:t>7/22/25</a:t>
+              <a:t>7/25/25</a:t>
             </a:fld>
             <a:endParaRPr lang="en-US"/>
           </a:p>
@@ -1417,7 +1417,7 @@
           <a:p>
             <a:fld id="{E604A9DE-5D16-5148-A31A-5AFF5E45A3E1}" type="datetimeFigureOut">
               <a:rPr lang="en-US" smtClean="0"/>
-              <a:t>7/22/25</a:t>
+              <a:t>7/25/25</a:t>
             </a:fld>
             <a:endParaRPr lang="en-US"/>
           </a:p>
@@ -1832,7 +1832,7 @@
           <a:p>
             <a:fld id="{E604A9DE-5D16-5148-A31A-5AFF5E45A3E1}" type="datetimeFigureOut">
               <a:rPr lang="en-US" smtClean="0"/>
-              <a:t>7/22/25</a:t>
+              <a:t>7/25/25</a:t>
             </a:fld>
             <a:endParaRPr lang="en-US"/>
           </a:p>
@@ -1974,7 +1974,7 @@
           <a:p>
             <a:fld id="{E604A9DE-5D16-5148-A31A-5AFF5E45A3E1}" type="datetimeFigureOut">
               <a:rPr lang="en-US" smtClean="0"/>
-              <a:t>7/22/25</a:t>
+              <a:t>7/25/25</a:t>
             </a:fld>
             <a:endParaRPr lang="en-US"/>
           </a:p>
@@ -2087,7 +2087,7 @@
           <a:p>
             <a:fld id="{E604A9DE-5D16-5148-A31A-5AFF5E45A3E1}" type="datetimeFigureOut">
               <a:rPr lang="en-US" smtClean="0"/>
-              <a:t>7/22/25</a:t>
+              <a:t>7/25/25</a:t>
             </a:fld>
             <a:endParaRPr lang="en-US"/>
           </a:p>
@@ -2400,7 +2400,7 @@
           <a:p>
             <a:fld id="{E604A9DE-5D16-5148-A31A-5AFF5E45A3E1}" type="datetimeFigureOut">
               <a:rPr lang="en-US" smtClean="0"/>
-              <a:t>7/22/25</a:t>
+              <a:t>7/25/25</a:t>
             </a:fld>
             <a:endParaRPr lang="en-US"/>
           </a:p>
@@ -2689,7 +2689,7 @@
           <a:p>
             <a:fld id="{E604A9DE-5D16-5148-A31A-5AFF5E45A3E1}" type="datetimeFigureOut">
               <a:rPr lang="en-US" smtClean="0"/>
-              <a:t>7/22/25</a:t>
+              <a:t>7/25/25</a:t>
             </a:fld>
             <a:endParaRPr lang="en-US"/>
           </a:p>
@@ -2932,7 +2932,7 @@
           <a:p>
             <a:fld id="{E604A9DE-5D16-5148-A31A-5AFF5E45A3E1}" type="datetimeFigureOut">
               <a:rPr lang="en-US" smtClean="0"/>
-              <a:t>7/22/25</a:t>
+              <a:t>7/25/25</a:t>
             </a:fld>
             <a:endParaRPr lang="en-US"/>
           </a:p>
@@ -3802,8 +3802,14 @@
           </a:p>
           <a:p>
             <a:r>
+              <a:rPr lang="en-US" dirty="0"/>
+              <a:t>Images</a:t>
+            </a:r>
+          </a:p>
+          <a:p>
+            <a:r>
               <a:rPr lang="en-US"/>
-              <a:t>images</a:t>
+              <a:t>Variables</a:t>
             </a:r>
             <a:endParaRPr lang="en-US" dirty="0"/>
           </a:p>
